--- a/my powerpoints/Related works on open information extraction.pptx
+++ b/my powerpoints/Related works on open information extraction.pptx
@@ -255,7 +255,7 @@
           <a:p>
             <a:fld id="{E37AC4B4-23A4-4743-AD72-E520654D9C89}" type="datetimeFigureOut">
               <a:rPr lang="en-US" smtClean="0"/>
-              <a:t>11/1/2014</a:t>
+              <a:t>1/21/2015</a:t>
             </a:fld>
             <a:endParaRPr lang="en-US"/>
           </a:p>
@@ -425,7 +425,7 @@
           <a:p>
             <a:fld id="{E37AC4B4-23A4-4743-AD72-E520654D9C89}" type="datetimeFigureOut">
               <a:rPr lang="en-US" smtClean="0"/>
-              <a:t>11/1/2014</a:t>
+              <a:t>1/21/2015</a:t>
             </a:fld>
             <a:endParaRPr lang="en-US"/>
           </a:p>
@@ -605,7 +605,7 @@
           <a:p>
             <a:fld id="{E37AC4B4-23A4-4743-AD72-E520654D9C89}" type="datetimeFigureOut">
               <a:rPr lang="en-US" smtClean="0"/>
-              <a:t>11/1/2014</a:t>
+              <a:t>1/21/2015</a:t>
             </a:fld>
             <a:endParaRPr lang="en-US"/>
           </a:p>
@@ -775,7 +775,7 @@
           <a:p>
             <a:fld id="{E37AC4B4-23A4-4743-AD72-E520654D9C89}" type="datetimeFigureOut">
               <a:rPr lang="en-US" smtClean="0"/>
-              <a:t>11/1/2014</a:t>
+              <a:t>1/21/2015</a:t>
             </a:fld>
             <a:endParaRPr lang="en-US"/>
           </a:p>
@@ -1021,7 +1021,7 @@
           <a:p>
             <a:fld id="{E37AC4B4-23A4-4743-AD72-E520654D9C89}" type="datetimeFigureOut">
               <a:rPr lang="en-US" smtClean="0"/>
-              <a:t>11/1/2014</a:t>
+              <a:t>1/21/2015</a:t>
             </a:fld>
             <a:endParaRPr lang="en-US"/>
           </a:p>
@@ -1253,7 +1253,7 @@
           <a:p>
             <a:fld id="{E37AC4B4-23A4-4743-AD72-E520654D9C89}" type="datetimeFigureOut">
               <a:rPr lang="en-US" smtClean="0"/>
-              <a:t>11/1/2014</a:t>
+              <a:t>1/21/2015</a:t>
             </a:fld>
             <a:endParaRPr lang="en-US"/>
           </a:p>
@@ -1620,7 +1620,7 @@
           <a:p>
             <a:fld id="{E37AC4B4-23A4-4743-AD72-E520654D9C89}" type="datetimeFigureOut">
               <a:rPr lang="en-US" smtClean="0"/>
-              <a:t>11/1/2014</a:t>
+              <a:t>1/21/2015</a:t>
             </a:fld>
             <a:endParaRPr lang="en-US"/>
           </a:p>
@@ -1738,7 +1738,7 @@
           <a:p>
             <a:fld id="{E37AC4B4-23A4-4743-AD72-E520654D9C89}" type="datetimeFigureOut">
               <a:rPr lang="en-US" smtClean="0"/>
-              <a:t>11/1/2014</a:t>
+              <a:t>1/21/2015</a:t>
             </a:fld>
             <a:endParaRPr lang="en-US"/>
           </a:p>
@@ -1833,7 +1833,7 @@
           <a:p>
             <a:fld id="{E37AC4B4-23A4-4743-AD72-E520654D9C89}" type="datetimeFigureOut">
               <a:rPr lang="en-US" smtClean="0"/>
-              <a:t>11/1/2014</a:t>
+              <a:t>1/21/2015</a:t>
             </a:fld>
             <a:endParaRPr lang="en-US"/>
           </a:p>
@@ -2110,7 +2110,7 @@
           <a:p>
             <a:fld id="{E37AC4B4-23A4-4743-AD72-E520654D9C89}" type="datetimeFigureOut">
               <a:rPr lang="en-US" smtClean="0"/>
-              <a:t>11/1/2014</a:t>
+              <a:t>1/21/2015</a:t>
             </a:fld>
             <a:endParaRPr lang="en-US"/>
           </a:p>
@@ -2363,7 +2363,7 @@
           <a:p>
             <a:fld id="{E37AC4B4-23A4-4743-AD72-E520654D9C89}" type="datetimeFigureOut">
               <a:rPr lang="en-US" smtClean="0"/>
-              <a:t>11/1/2014</a:t>
+              <a:t>1/21/2015</a:t>
             </a:fld>
             <a:endParaRPr lang="en-US"/>
           </a:p>
@@ -2576,7 +2576,7 @@
           <a:p>
             <a:fld id="{E37AC4B4-23A4-4743-AD72-E520654D9C89}" type="datetimeFigureOut">
               <a:rPr lang="en-US" smtClean="0"/>
-              <a:t>11/1/2014</a:t>
+              <a:t>1/21/2015</a:t>
             </a:fld>
             <a:endParaRPr lang="en-US"/>
           </a:p>
@@ -3391,7 +3391,31 @@
               <a:rPr lang="fa-IR" dirty="0" smtClean="0">
                 <a:cs typeface="B Nazanin" panose="00000400000000000000" pitchFamily="2" charset="-78"/>
               </a:rPr>
-              <a:t>به ازای هر دانه تمام جملات دارای عبارات رابطه را اتخراج میکنیم. در مجموع 18 میلیون جمله حاصل میشود.</a:t>
+              <a:t>به ازای هر دانه تمام جملات دارای عبارات رابطه را </a:t>
+            </a:r>
+            <a:r>
+              <a:rPr lang="fa-IR" dirty="0" smtClean="0">
+                <a:cs typeface="B Nazanin" panose="00000400000000000000" pitchFamily="2" charset="-78"/>
+              </a:rPr>
+              <a:t>ا</a:t>
+            </a:r>
+            <a:r>
+              <a:rPr lang="fa-IR" dirty="0">
+                <a:cs typeface="B Nazanin" panose="00000400000000000000" pitchFamily="2" charset="-78"/>
+              </a:rPr>
+              <a:t>س</a:t>
+            </a:r>
+            <a:r>
+              <a:rPr lang="fa-IR" dirty="0" smtClean="0">
+                <a:cs typeface="B Nazanin" panose="00000400000000000000" pitchFamily="2" charset="-78"/>
+              </a:rPr>
+              <a:t>تخراج </a:t>
+            </a:r>
+            <a:r>
+              <a:rPr lang="fa-IR" dirty="0" smtClean="0">
+                <a:cs typeface="B Nazanin" panose="00000400000000000000" pitchFamily="2" charset="-78"/>
+              </a:rPr>
+              <a:t>میکنیم. در مجموع 18 میلیون جمله حاصل میشود.</a:t>
             </a:r>
           </a:p>
           <a:p>
@@ -3738,8 +3762,8 @@
           </a:p>
         </p:txBody>
       </p:sp>
-      <mc:AlternateContent xmlns:mc="http://schemas.openxmlformats.org/markup-compatibility/2006">
-        <mc:Choice xmlns:a14="http://schemas.microsoft.com/office/drawing/2010/main" Requires="a14">
+      <mc:AlternateContent xmlns:mc="http://schemas.openxmlformats.org/markup-compatibility/2006" xmlns:a14="http://schemas.microsoft.com/office/drawing/2010/main">
+        <mc:Choice Requires="a14">
           <p:sp>
             <p:nvSpPr>
               <p:cNvPr id="3" name="Content Placeholder 2"/>
@@ -3978,13 +4002,7 @@
                   <a:rPr lang="fa-IR" dirty="0" smtClean="0">
                     <a:cs typeface="B Nazanin" panose="00000400000000000000" pitchFamily="2" charset="-78"/>
                   </a:rPr>
-                  <a:t> میدهیم</a:t>
-                </a:r>
-                <a:r>
-                  <a:rPr lang="fa-IR" dirty="0" smtClean="0">
-                    <a:cs typeface="B Nazanin" panose="00000400000000000000" pitchFamily="2" charset="-78"/>
-                  </a:rPr>
-                  <a:t>.</a:t>
+                  <a:t> میدهیم.</a:t>
                 </a:r>
               </a:p>
               <a:p>
@@ -4005,7 +4023,7 @@
             </p:txBody>
           </p:sp>
         </mc:Choice>
-        <mc:Fallback>
+        <mc:Fallback xmlns="">
           <p:sp>
             <p:nvSpPr>
               <p:cNvPr id="3" name="Content Placeholder 2"/>
